--- a/ppt 16-9/0267.我王必来.pptx
+++ b/ppt 16-9/0267.我王必来.pptx
@@ -129,7 +129,7 @@
           <p:cNvPr id="2" name="标题 1">
             <a:extLst>
               <a:ext uri="{FF2B5EF4-FFF2-40B4-BE49-F238E27FC236}">
-                <a16:creationId xmlns:a16="http://schemas.microsoft.com/office/drawing/2014/main" id="{A1B9271B-0840-C19E-45C2-AB27C4C1B335}"/>
+                <a16:creationId xmlns:a16="http://schemas.microsoft.com/office/drawing/2014/main" id="{1FB5B2E1-68CA-F839-4387-689FE77E3A36}"/>
               </a:ext>
             </a:extLst>
           </p:cNvPr>
@@ -166,7 +166,7 @@
           <p:cNvPr id="3" name="副标题 2">
             <a:extLst>
               <a:ext uri="{FF2B5EF4-FFF2-40B4-BE49-F238E27FC236}">
-                <a16:creationId xmlns:a16="http://schemas.microsoft.com/office/drawing/2014/main" id="{2167CF6E-C745-0D04-0F02-8F3BEABDA4F5}"/>
+                <a16:creationId xmlns:a16="http://schemas.microsoft.com/office/drawing/2014/main" id="{DA49933D-18F5-AAC2-CF9A-6D5360019C68}"/>
               </a:ext>
             </a:extLst>
           </p:cNvPr>
@@ -236,7 +236,7 @@
           <p:cNvPr id="4" name="日期占位符 3">
             <a:extLst>
               <a:ext uri="{FF2B5EF4-FFF2-40B4-BE49-F238E27FC236}">
-                <a16:creationId xmlns:a16="http://schemas.microsoft.com/office/drawing/2014/main" id="{0E8C5669-B322-593C-AB6C-7E9B6937DF1B}"/>
+                <a16:creationId xmlns:a16="http://schemas.microsoft.com/office/drawing/2014/main" id="{E5F1804F-55DF-F938-C827-1996448933E7}"/>
               </a:ext>
             </a:extLst>
           </p:cNvPr>
@@ -252,7 +252,7 @@
           <a:bodyPr/>
           <a:lstStyle/>
           <a:p>
-            <a:fld id="{E47EA695-FA38-48C5-983A-DD9802639C14}" type="datetimeFigureOut">
+            <a:fld id="{61AF2CA2-9205-40EB-8362-75621F46E6A1}" type="datetimeFigureOut">
               <a:rPr lang="zh-CN" altLang="en-US" smtClean="0"/>
               <a:t>2024/3/10</a:t>
             </a:fld>
@@ -265,7 +265,7 @@
           <p:cNvPr id="5" name="页脚占位符 4">
             <a:extLst>
               <a:ext uri="{FF2B5EF4-FFF2-40B4-BE49-F238E27FC236}">
-                <a16:creationId xmlns:a16="http://schemas.microsoft.com/office/drawing/2014/main" id="{29DAF90B-4976-2245-B054-AB55A8658CF5}"/>
+                <a16:creationId xmlns:a16="http://schemas.microsoft.com/office/drawing/2014/main" id="{8DB3EC20-A24B-EF54-953F-5531C1BADF9A}"/>
               </a:ext>
             </a:extLst>
           </p:cNvPr>
@@ -290,7 +290,7 @@
           <p:cNvPr id="6" name="灯片编号占位符 5">
             <a:extLst>
               <a:ext uri="{FF2B5EF4-FFF2-40B4-BE49-F238E27FC236}">
-                <a16:creationId xmlns:a16="http://schemas.microsoft.com/office/drawing/2014/main" id="{1ADB607C-CD38-A8F1-E6E8-C887716E909F}"/>
+                <a16:creationId xmlns:a16="http://schemas.microsoft.com/office/drawing/2014/main" id="{5930F394-DDF4-3EE9-9DCA-24612606F136}"/>
               </a:ext>
             </a:extLst>
           </p:cNvPr>
@@ -306,7 +306,7 @@
           <a:bodyPr/>
           <a:lstStyle/>
           <a:p>
-            <a:fld id="{3C7C4B27-D8F9-4AE9-A7A0-3EEED10C21BA}" type="slidenum">
+            <a:fld id="{D4D82A3A-B451-42A4-899A-0DFD299D5ACD}" type="slidenum">
               <a:rPr lang="zh-CN" altLang="en-US" smtClean="0"/>
               <a:t>‹#›</a:t>
             </a:fld>
@@ -317,7 +317,7 @@
     </p:spTree>
     <p:extLst>
       <p:ext uri="{BB962C8B-B14F-4D97-AF65-F5344CB8AC3E}">
-        <p14:creationId xmlns:p14="http://schemas.microsoft.com/office/powerpoint/2010/main" val="4178180897"/>
+        <p14:creationId xmlns:p14="http://schemas.microsoft.com/office/powerpoint/2010/main" val="3877770544"/>
       </p:ext>
     </p:extLst>
   </p:cSld>
@@ -349,7 +349,7 @@
           <p:cNvPr id="2" name="标题 1">
             <a:extLst>
               <a:ext uri="{FF2B5EF4-FFF2-40B4-BE49-F238E27FC236}">
-                <a16:creationId xmlns:a16="http://schemas.microsoft.com/office/drawing/2014/main" id="{A0CB391C-CA1E-A418-73F6-736715902857}"/>
+                <a16:creationId xmlns:a16="http://schemas.microsoft.com/office/drawing/2014/main" id="{FDA0C27D-B840-2B97-2921-7D5E1BC94CE6}"/>
               </a:ext>
             </a:extLst>
           </p:cNvPr>
@@ -377,7 +377,7 @@
           <p:cNvPr id="3" name="竖排文字占位符 2">
             <a:extLst>
               <a:ext uri="{FF2B5EF4-FFF2-40B4-BE49-F238E27FC236}">
-                <a16:creationId xmlns:a16="http://schemas.microsoft.com/office/drawing/2014/main" id="{9EF981DA-5731-D2D2-26D2-D455B77D3FEF}"/>
+                <a16:creationId xmlns:a16="http://schemas.microsoft.com/office/drawing/2014/main" id="{98BFEBE0-C596-0128-DBC0-4FFBF597AEA2}"/>
               </a:ext>
             </a:extLst>
           </p:cNvPr>
@@ -434,7 +434,7 @@
           <p:cNvPr id="4" name="日期占位符 3">
             <a:extLst>
               <a:ext uri="{FF2B5EF4-FFF2-40B4-BE49-F238E27FC236}">
-                <a16:creationId xmlns:a16="http://schemas.microsoft.com/office/drawing/2014/main" id="{8F95297A-1764-C647-326F-22E6D13EA835}"/>
+                <a16:creationId xmlns:a16="http://schemas.microsoft.com/office/drawing/2014/main" id="{88FAFB62-2FD1-7828-75B0-5A9634238962}"/>
               </a:ext>
             </a:extLst>
           </p:cNvPr>
@@ -450,7 +450,7 @@
           <a:bodyPr/>
           <a:lstStyle/>
           <a:p>
-            <a:fld id="{E47EA695-FA38-48C5-983A-DD9802639C14}" type="datetimeFigureOut">
+            <a:fld id="{61AF2CA2-9205-40EB-8362-75621F46E6A1}" type="datetimeFigureOut">
               <a:rPr lang="zh-CN" altLang="en-US" smtClean="0"/>
               <a:t>2024/3/10</a:t>
             </a:fld>
@@ -463,7 +463,7 @@
           <p:cNvPr id="5" name="页脚占位符 4">
             <a:extLst>
               <a:ext uri="{FF2B5EF4-FFF2-40B4-BE49-F238E27FC236}">
-                <a16:creationId xmlns:a16="http://schemas.microsoft.com/office/drawing/2014/main" id="{2695EB55-597A-5F4C-3281-FAC876E0B7D4}"/>
+                <a16:creationId xmlns:a16="http://schemas.microsoft.com/office/drawing/2014/main" id="{795F1C5E-E393-AABD-310C-4B6E5D5D2E39}"/>
               </a:ext>
             </a:extLst>
           </p:cNvPr>
@@ -488,7 +488,7 @@
           <p:cNvPr id="6" name="灯片编号占位符 5">
             <a:extLst>
               <a:ext uri="{FF2B5EF4-FFF2-40B4-BE49-F238E27FC236}">
-                <a16:creationId xmlns:a16="http://schemas.microsoft.com/office/drawing/2014/main" id="{6592485D-7A6F-60B1-FA6B-6A2CB88130EA}"/>
+                <a16:creationId xmlns:a16="http://schemas.microsoft.com/office/drawing/2014/main" id="{0183D200-5A5C-900C-39B2-C283C5CB324F}"/>
               </a:ext>
             </a:extLst>
           </p:cNvPr>
@@ -504,7 +504,7 @@
           <a:bodyPr/>
           <a:lstStyle/>
           <a:p>
-            <a:fld id="{3C7C4B27-D8F9-4AE9-A7A0-3EEED10C21BA}" type="slidenum">
+            <a:fld id="{D4D82A3A-B451-42A4-899A-0DFD299D5ACD}" type="slidenum">
               <a:rPr lang="zh-CN" altLang="en-US" smtClean="0"/>
               <a:t>‹#›</a:t>
             </a:fld>
@@ -515,7 +515,7 @@
     </p:spTree>
     <p:extLst>
       <p:ext uri="{BB962C8B-B14F-4D97-AF65-F5344CB8AC3E}">
-        <p14:creationId xmlns:p14="http://schemas.microsoft.com/office/powerpoint/2010/main" val="455291094"/>
+        <p14:creationId xmlns:p14="http://schemas.microsoft.com/office/powerpoint/2010/main" val="1499044401"/>
       </p:ext>
     </p:extLst>
   </p:cSld>
@@ -547,7 +547,7 @@
           <p:cNvPr id="2" name="竖排标题 1">
             <a:extLst>
               <a:ext uri="{FF2B5EF4-FFF2-40B4-BE49-F238E27FC236}">
-                <a16:creationId xmlns:a16="http://schemas.microsoft.com/office/drawing/2014/main" id="{160FB346-B005-A511-1DC0-C9CA48EB93E5}"/>
+                <a16:creationId xmlns:a16="http://schemas.microsoft.com/office/drawing/2014/main" id="{FC6CB31C-A192-02B4-DB02-0B4CC6622E3D}"/>
               </a:ext>
             </a:extLst>
           </p:cNvPr>
@@ -580,7 +580,7 @@
           <p:cNvPr id="3" name="竖排文字占位符 2">
             <a:extLst>
               <a:ext uri="{FF2B5EF4-FFF2-40B4-BE49-F238E27FC236}">
-                <a16:creationId xmlns:a16="http://schemas.microsoft.com/office/drawing/2014/main" id="{B602B35B-638A-4E66-D67D-F7416CE6FBD8}"/>
+                <a16:creationId xmlns:a16="http://schemas.microsoft.com/office/drawing/2014/main" id="{C6B9A889-3E06-AE44-5908-FB1E1B81AA52}"/>
               </a:ext>
             </a:extLst>
           </p:cNvPr>
@@ -642,7 +642,7 @@
           <p:cNvPr id="4" name="日期占位符 3">
             <a:extLst>
               <a:ext uri="{FF2B5EF4-FFF2-40B4-BE49-F238E27FC236}">
-                <a16:creationId xmlns:a16="http://schemas.microsoft.com/office/drawing/2014/main" id="{2E077ECF-E4EB-177C-1663-C62BF7A39B63}"/>
+                <a16:creationId xmlns:a16="http://schemas.microsoft.com/office/drawing/2014/main" id="{4D902DBE-576C-F653-CFBD-5FAE605B4413}"/>
               </a:ext>
             </a:extLst>
           </p:cNvPr>
@@ -658,7 +658,7 @@
           <a:bodyPr/>
           <a:lstStyle/>
           <a:p>
-            <a:fld id="{E47EA695-FA38-48C5-983A-DD9802639C14}" type="datetimeFigureOut">
+            <a:fld id="{61AF2CA2-9205-40EB-8362-75621F46E6A1}" type="datetimeFigureOut">
               <a:rPr lang="zh-CN" altLang="en-US" smtClean="0"/>
               <a:t>2024/3/10</a:t>
             </a:fld>
@@ -671,7 +671,7 @@
           <p:cNvPr id="5" name="页脚占位符 4">
             <a:extLst>
               <a:ext uri="{FF2B5EF4-FFF2-40B4-BE49-F238E27FC236}">
-                <a16:creationId xmlns:a16="http://schemas.microsoft.com/office/drawing/2014/main" id="{51A19FF6-8DF4-605E-7640-1912F92227D9}"/>
+                <a16:creationId xmlns:a16="http://schemas.microsoft.com/office/drawing/2014/main" id="{8F830D11-DBFF-60D5-0D7B-03DF7574FF1F}"/>
               </a:ext>
             </a:extLst>
           </p:cNvPr>
@@ -696,7 +696,7 @@
           <p:cNvPr id="6" name="灯片编号占位符 5">
             <a:extLst>
               <a:ext uri="{FF2B5EF4-FFF2-40B4-BE49-F238E27FC236}">
-                <a16:creationId xmlns:a16="http://schemas.microsoft.com/office/drawing/2014/main" id="{0E6BA32F-23F6-D90D-3F2F-2623C3A95B73}"/>
+                <a16:creationId xmlns:a16="http://schemas.microsoft.com/office/drawing/2014/main" id="{1EFFE207-D3B5-D36F-5AFF-BB8B58EF80D5}"/>
               </a:ext>
             </a:extLst>
           </p:cNvPr>
@@ -712,7 +712,7 @@
           <a:bodyPr/>
           <a:lstStyle/>
           <a:p>
-            <a:fld id="{3C7C4B27-D8F9-4AE9-A7A0-3EEED10C21BA}" type="slidenum">
+            <a:fld id="{D4D82A3A-B451-42A4-899A-0DFD299D5ACD}" type="slidenum">
               <a:rPr lang="zh-CN" altLang="en-US" smtClean="0"/>
               <a:t>‹#›</a:t>
             </a:fld>
@@ -723,7 +723,7 @@
     </p:spTree>
     <p:extLst>
       <p:ext uri="{BB962C8B-B14F-4D97-AF65-F5344CB8AC3E}">
-        <p14:creationId xmlns:p14="http://schemas.microsoft.com/office/powerpoint/2010/main" val="1521086037"/>
+        <p14:creationId xmlns:p14="http://schemas.microsoft.com/office/powerpoint/2010/main" val="3370954099"/>
       </p:ext>
     </p:extLst>
   </p:cSld>
@@ -755,7 +755,7 @@
           <p:cNvPr id="2" name="标题 1">
             <a:extLst>
               <a:ext uri="{FF2B5EF4-FFF2-40B4-BE49-F238E27FC236}">
-                <a16:creationId xmlns:a16="http://schemas.microsoft.com/office/drawing/2014/main" id="{3DF2D666-BE9C-8250-01DB-B7080A824D6B}"/>
+                <a16:creationId xmlns:a16="http://schemas.microsoft.com/office/drawing/2014/main" id="{2F474020-5AFD-26BC-E879-9A98254EFDE7}"/>
               </a:ext>
             </a:extLst>
           </p:cNvPr>
@@ -783,7 +783,7 @@
           <p:cNvPr id="3" name="内容占位符 2">
             <a:extLst>
               <a:ext uri="{FF2B5EF4-FFF2-40B4-BE49-F238E27FC236}">
-                <a16:creationId xmlns:a16="http://schemas.microsoft.com/office/drawing/2014/main" id="{E525DB39-1C71-B11A-41FE-B9E2DBEA46D9}"/>
+                <a16:creationId xmlns:a16="http://schemas.microsoft.com/office/drawing/2014/main" id="{09FBD6EE-FFE0-AB89-C550-533CA33CE236}"/>
               </a:ext>
             </a:extLst>
           </p:cNvPr>
@@ -840,7 +840,7 @@
           <p:cNvPr id="4" name="日期占位符 3">
             <a:extLst>
               <a:ext uri="{FF2B5EF4-FFF2-40B4-BE49-F238E27FC236}">
-                <a16:creationId xmlns:a16="http://schemas.microsoft.com/office/drawing/2014/main" id="{7EB5EE4C-9E2C-BFBC-EBC5-318850CAA4CF}"/>
+                <a16:creationId xmlns:a16="http://schemas.microsoft.com/office/drawing/2014/main" id="{6F9ED249-78DF-E5AF-6D4D-6679F6774A34}"/>
               </a:ext>
             </a:extLst>
           </p:cNvPr>
@@ -856,7 +856,7 @@
           <a:bodyPr/>
           <a:lstStyle/>
           <a:p>
-            <a:fld id="{E47EA695-FA38-48C5-983A-DD9802639C14}" type="datetimeFigureOut">
+            <a:fld id="{61AF2CA2-9205-40EB-8362-75621F46E6A1}" type="datetimeFigureOut">
               <a:rPr lang="zh-CN" altLang="en-US" smtClean="0"/>
               <a:t>2024/3/10</a:t>
             </a:fld>
@@ -869,7 +869,7 @@
           <p:cNvPr id="5" name="页脚占位符 4">
             <a:extLst>
               <a:ext uri="{FF2B5EF4-FFF2-40B4-BE49-F238E27FC236}">
-                <a16:creationId xmlns:a16="http://schemas.microsoft.com/office/drawing/2014/main" id="{7A80D1AB-A26B-2795-64A0-C9B30BD92FD3}"/>
+                <a16:creationId xmlns:a16="http://schemas.microsoft.com/office/drawing/2014/main" id="{FC6D8854-2ECB-7606-F93C-9BF4A4A5C88C}"/>
               </a:ext>
             </a:extLst>
           </p:cNvPr>
@@ -894,7 +894,7 @@
           <p:cNvPr id="6" name="灯片编号占位符 5">
             <a:extLst>
               <a:ext uri="{FF2B5EF4-FFF2-40B4-BE49-F238E27FC236}">
-                <a16:creationId xmlns:a16="http://schemas.microsoft.com/office/drawing/2014/main" id="{924A348E-74B2-B722-04E9-2CD26139BD52}"/>
+                <a16:creationId xmlns:a16="http://schemas.microsoft.com/office/drawing/2014/main" id="{84C84750-FE42-797C-D15F-011E9EEF2A63}"/>
               </a:ext>
             </a:extLst>
           </p:cNvPr>
@@ -910,7 +910,7 @@
           <a:bodyPr/>
           <a:lstStyle/>
           <a:p>
-            <a:fld id="{3C7C4B27-D8F9-4AE9-A7A0-3EEED10C21BA}" type="slidenum">
+            <a:fld id="{D4D82A3A-B451-42A4-899A-0DFD299D5ACD}" type="slidenum">
               <a:rPr lang="zh-CN" altLang="en-US" smtClean="0"/>
               <a:t>‹#›</a:t>
             </a:fld>
@@ -921,7 +921,7 @@
     </p:spTree>
     <p:extLst>
       <p:ext uri="{BB962C8B-B14F-4D97-AF65-F5344CB8AC3E}">
-        <p14:creationId xmlns:p14="http://schemas.microsoft.com/office/powerpoint/2010/main" val="3996855510"/>
+        <p14:creationId xmlns:p14="http://schemas.microsoft.com/office/powerpoint/2010/main" val="2553139402"/>
       </p:ext>
     </p:extLst>
   </p:cSld>
@@ -953,7 +953,7 @@
           <p:cNvPr id="2" name="标题 1">
             <a:extLst>
               <a:ext uri="{FF2B5EF4-FFF2-40B4-BE49-F238E27FC236}">
-                <a16:creationId xmlns:a16="http://schemas.microsoft.com/office/drawing/2014/main" id="{0EF71482-910D-18EE-8887-8B232743F9A0}"/>
+                <a16:creationId xmlns:a16="http://schemas.microsoft.com/office/drawing/2014/main" id="{DCF6082E-9120-5E2C-D074-4C9DDE2902FF}"/>
               </a:ext>
             </a:extLst>
           </p:cNvPr>
@@ -990,7 +990,7 @@
           <p:cNvPr id="3" name="文本占位符 2">
             <a:extLst>
               <a:ext uri="{FF2B5EF4-FFF2-40B4-BE49-F238E27FC236}">
-                <a16:creationId xmlns:a16="http://schemas.microsoft.com/office/drawing/2014/main" id="{632835B8-C237-B551-131E-DFD842D0FEB9}"/>
+                <a16:creationId xmlns:a16="http://schemas.microsoft.com/office/drawing/2014/main" id="{6C42A5CB-9C74-69A8-0427-B18CA0F3DA60}"/>
               </a:ext>
             </a:extLst>
           </p:cNvPr>
@@ -1115,7 +1115,7 @@
           <p:cNvPr id="4" name="日期占位符 3">
             <a:extLst>
               <a:ext uri="{FF2B5EF4-FFF2-40B4-BE49-F238E27FC236}">
-                <a16:creationId xmlns:a16="http://schemas.microsoft.com/office/drawing/2014/main" id="{8BD0CE21-6B5D-E395-748D-8DB7254CF8AA}"/>
+                <a16:creationId xmlns:a16="http://schemas.microsoft.com/office/drawing/2014/main" id="{46C7287E-8E97-7304-73F9-38EB91660F10}"/>
               </a:ext>
             </a:extLst>
           </p:cNvPr>
@@ -1131,7 +1131,7 @@
           <a:bodyPr/>
           <a:lstStyle/>
           <a:p>
-            <a:fld id="{E47EA695-FA38-48C5-983A-DD9802639C14}" type="datetimeFigureOut">
+            <a:fld id="{61AF2CA2-9205-40EB-8362-75621F46E6A1}" type="datetimeFigureOut">
               <a:rPr lang="zh-CN" altLang="en-US" smtClean="0"/>
               <a:t>2024/3/10</a:t>
             </a:fld>
@@ -1144,7 +1144,7 @@
           <p:cNvPr id="5" name="页脚占位符 4">
             <a:extLst>
               <a:ext uri="{FF2B5EF4-FFF2-40B4-BE49-F238E27FC236}">
-                <a16:creationId xmlns:a16="http://schemas.microsoft.com/office/drawing/2014/main" id="{FA75E31E-E63E-7789-16FF-ADEB6AF1682A}"/>
+                <a16:creationId xmlns:a16="http://schemas.microsoft.com/office/drawing/2014/main" id="{105EF966-3FD4-CE62-FD31-A8C5C6E0F8F8}"/>
               </a:ext>
             </a:extLst>
           </p:cNvPr>
@@ -1169,7 +1169,7 @@
           <p:cNvPr id="6" name="灯片编号占位符 5">
             <a:extLst>
               <a:ext uri="{FF2B5EF4-FFF2-40B4-BE49-F238E27FC236}">
-                <a16:creationId xmlns:a16="http://schemas.microsoft.com/office/drawing/2014/main" id="{4E211DB6-C1CB-37F5-7113-2AC40ECE8510}"/>
+                <a16:creationId xmlns:a16="http://schemas.microsoft.com/office/drawing/2014/main" id="{880E43CB-0179-19D3-096B-B1530BF0D5D9}"/>
               </a:ext>
             </a:extLst>
           </p:cNvPr>
@@ -1185,7 +1185,7 @@
           <a:bodyPr/>
           <a:lstStyle/>
           <a:p>
-            <a:fld id="{3C7C4B27-D8F9-4AE9-A7A0-3EEED10C21BA}" type="slidenum">
+            <a:fld id="{D4D82A3A-B451-42A4-899A-0DFD299D5ACD}" type="slidenum">
               <a:rPr lang="zh-CN" altLang="en-US" smtClean="0"/>
               <a:t>‹#›</a:t>
             </a:fld>
@@ -1196,7 +1196,7 @@
     </p:spTree>
     <p:extLst>
       <p:ext uri="{BB962C8B-B14F-4D97-AF65-F5344CB8AC3E}">
-        <p14:creationId xmlns:p14="http://schemas.microsoft.com/office/powerpoint/2010/main" val="2119085920"/>
+        <p14:creationId xmlns:p14="http://schemas.microsoft.com/office/powerpoint/2010/main" val="462047693"/>
       </p:ext>
     </p:extLst>
   </p:cSld>
@@ -1228,7 +1228,7 @@
           <p:cNvPr id="2" name="标题 1">
             <a:extLst>
               <a:ext uri="{FF2B5EF4-FFF2-40B4-BE49-F238E27FC236}">
-                <a16:creationId xmlns:a16="http://schemas.microsoft.com/office/drawing/2014/main" id="{B61F6457-F005-1F64-D2FD-D09CA559C308}"/>
+                <a16:creationId xmlns:a16="http://schemas.microsoft.com/office/drawing/2014/main" id="{8F9E4F60-70D4-B2C3-34A0-BD87642AB834}"/>
               </a:ext>
             </a:extLst>
           </p:cNvPr>
@@ -1256,7 +1256,7 @@
           <p:cNvPr id="3" name="内容占位符 2">
             <a:extLst>
               <a:ext uri="{FF2B5EF4-FFF2-40B4-BE49-F238E27FC236}">
-                <a16:creationId xmlns:a16="http://schemas.microsoft.com/office/drawing/2014/main" id="{07087D2E-260E-7C64-E7AC-93D5FA73B09A}"/>
+                <a16:creationId xmlns:a16="http://schemas.microsoft.com/office/drawing/2014/main" id="{79A6F2DE-4E9F-C2E4-F1BA-8C5CE4B49349}"/>
               </a:ext>
             </a:extLst>
           </p:cNvPr>
@@ -1318,7 +1318,7 @@
           <p:cNvPr id="4" name="内容占位符 3">
             <a:extLst>
               <a:ext uri="{FF2B5EF4-FFF2-40B4-BE49-F238E27FC236}">
-                <a16:creationId xmlns:a16="http://schemas.microsoft.com/office/drawing/2014/main" id="{B603D95D-C287-9B95-0015-0DF238261C9B}"/>
+                <a16:creationId xmlns:a16="http://schemas.microsoft.com/office/drawing/2014/main" id="{32251C14-84F1-0ECC-8E22-070D0477112D}"/>
               </a:ext>
             </a:extLst>
           </p:cNvPr>
@@ -1380,7 +1380,7 @@
           <p:cNvPr id="5" name="日期占位符 4">
             <a:extLst>
               <a:ext uri="{FF2B5EF4-FFF2-40B4-BE49-F238E27FC236}">
-                <a16:creationId xmlns:a16="http://schemas.microsoft.com/office/drawing/2014/main" id="{2908928F-E2D5-1F22-8730-D6574E81DA3C}"/>
+                <a16:creationId xmlns:a16="http://schemas.microsoft.com/office/drawing/2014/main" id="{C235F98F-CB84-4311-4BED-EB4C57150B85}"/>
               </a:ext>
             </a:extLst>
           </p:cNvPr>
@@ -1396,7 +1396,7 @@
           <a:bodyPr/>
           <a:lstStyle/>
           <a:p>
-            <a:fld id="{E47EA695-FA38-48C5-983A-DD9802639C14}" type="datetimeFigureOut">
+            <a:fld id="{61AF2CA2-9205-40EB-8362-75621F46E6A1}" type="datetimeFigureOut">
               <a:rPr lang="zh-CN" altLang="en-US" smtClean="0"/>
               <a:t>2024/3/10</a:t>
             </a:fld>
@@ -1409,7 +1409,7 @@
           <p:cNvPr id="6" name="页脚占位符 5">
             <a:extLst>
               <a:ext uri="{FF2B5EF4-FFF2-40B4-BE49-F238E27FC236}">
-                <a16:creationId xmlns:a16="http://schemas.microsoft.com/office/drawing/2014/main" id="{861057D5-96EF-F5EE-4E2F-F2438AE7EDA0}"/>
+                <a16:creationId xmlns:a16="http://schemas.microsoft.com/office/drawing/2014/main" id="{6808D2FE-4C89-904E-1B9F-75DB566EE3B3}"/>
               </a:ext>
             </a:extLst>
           </p:cNvPr>
@@ -1434,7 +1434,7 @@
           <p:cNvPr id="7" name="灯片编号占位符 6">
             <a:extLst>
               <a:ext uri="{FF2B5EF4-FFF2-40B4-BE49-F238E27FC236}">
-                <a16:creationId xmlns:a16="http://schemas.microsoft.com/office/drawing/2014/main" id="{A0B1BB94-0DD8-A908-F64B-8B85CBF84DA1}"/>
+                <a16:creationId xmlns:a16="http://schemas.microsoft.com/office/drawing/2014/main" id="{D09792B4-4543-BB8E-2C3A-FFA7E4B0FDFF}"/>
               </a:ext>
             </a:extLst>
           </p:cNvPr>
@@ -1450,7 +1450,7 @@
           <a:bodyPr/>
           <a:lstStyle/>
           <a:p>
-            <a:fld id="{3C7C4B27-D8F9-4AE9-A7A0-3EEED10C21BA}" type="slidenum">
+            <a:fld id="{D4D82A3A-B451-42A4-899A-0DFD299D5ACD}" type="slidenum">
               <a:rPr lang="zh-CN" altLang="en-US" smtClean="0"/>
               <a:t>‹#›</a:t>
             </a:fld>
@@ -1461,7 +1461,7 @@
     </p:spTree>
     <p:extLst>
       <p:ext uri="{BB962C8B-B14F-4D97-AF65-F5344CB8AC3E}">
-        <p14:creationId xmlns:p14="http://schemas.microsoft.com/office/powerpoint/2010/main" val="2492769399"/>
+        <p14:creationId xmlns:p14="http://schemas.microsoft.com/office/powerpoint/2010/main" val="2273519771"/>
       </p:ext>
     </p:extLst>
   </p:cSld>
@@ -1493,7 +1493,7 @@
           <p:cNvPr id="2" name="标题 1">
             <a:extLst>
               <a:ext uri="{FF2B5EF4-FFF2-40B4-BE49-F238E27FC236}">
-                <a16:creationId xmlns:a16="http://schemas.microsoft.com/office/drawing/2014/main" id="{A2F106EF-FDF7-2D2F-FE4F-ABE4FB90F8B5}"/>
+                <a16:creationId xmlns:a16="http://schemas.microsoft.com/office/drawing/2014/main" id="{27CD9C39-09B8-EBB7-1714-1F853783BC23}"/>
               </a:ext>
             </a:extLst>
           </p:cNvPr>
@@ -1526,7 +1526,7 @@
           <p:cNvPr id="3" name="文本占位符 2">
             <a:extLst>
               <a:ext uri="{FF2B5EF4-FFF2-40B4-BE49-F238E27FC236}">
-                <a16:creationId xmlns:a16="http://schemas.microsoft.com/office/drawing/2014/main" id="{B7AB0532-558A-E15D-A560-58105AB2CFB2}"/>
+                <a16:creationId xmlns:a16="http://schemas.microsoft.com/office/drawing/2014/main" id="{5D55F3C4-91E5-EFC2-D787-C836DCA52DAA}"/>
               </a:ext>
             </a:extLst>
           </p:cNvPr>
@@ -1597,7 +1597,7 @@
           <p:cNvPr id="4" name="内容占位符 3">
             <a:extLst>
               <a:ext uri="{FF2B5EF4-FFF2-40B4-BE49-F238E27FC236}">
-                <a16:creationId xmlns:a16="http://schemas.microsoft.com/office/drawing/2014/main" id="{F62A5753-EC83-8E61-9100-49A4B2FC758E}"/>
+                <a16:creationId xmlns:a16="http://schemas.microsoft.com/office/drawing/2014/main" id="{D23A4421-7B8F-0B1E-3AD2-9865E047E9D5}"/>
               </a:ext>
             </a:extLst>
           </p:cNvPr>
@@ -1659,7 +1659,7 @@
           <p:cNvPr id="5" name="文本占位符 4">
             <a:extLst>
               <a:ext uri="{FF2B5EF4-FFF2-40B4-BE49-F238E27FC236}">
-                <a16:creationId xmlns:a16="http://schemas.microsoft.com/office/drawing/2014/main" id="{4458B6B6-91BB-6C2E-52F5-35135883D8BE}"/>
+                <a16:creationId xmlns:a16="http://schemas.microsoft.com/office/drawing/2014/main" id="{8F6C1FAD-8ED6-3F60-291F-9FD24E4107BA}"/>
               </a:ext>
             </a:extLst>
           </p:cNvPr>
@@ -1730,7 +1730,7 @@
           <p:cNvPr id="6" name="内容占位符 5">
             <a:extLst>
               <a:ext uri="{FF2B5EF4-FFF2-40B4-BE49-F238E27FC236}">
-                <a16:creationId xmlns:a16="http://schemas.microsoft.com/office/drawing/2014/main" id="{C4A31221-267B-2632-EF6F-9F308DCABBD2}"/>
+                <a16:creationId xmlns:a16="http://schemas.microsoft.com/office/drawing/2014/main" id="{6D2CD5F3-932F-F37D-1C98-1FA33FFF1312}"/>
               </a:ext>
             </a:extLst>
           </p:cNvPr>
@@ -1792,7 +1792,7 @@
           <p:cNvPr id="7" name="日期占位符 6">
             <a:extLst>
               <a:ext uri="{FF2B5EF4-FFF2-40B4-BE49-F238E27FC236}">
-                <a16:creationId xmlns:a16="http://schemas.microsoft.com/office/drawing/2014/main" id="{D1D476B9-D417-B721-C5D0-6F2FF0F5A327}"/>
+                <a16:creationId xmlns:a16="http://schemas.microsoft.com/office/drawing/2014/main" id="{8CB4FACA-B6AD-0C71-8C70-0997DD365974}"/>
               </a:ext>
             </a:extLst>
           </p:cNvPr>
@@ -1808,7 +1808,7 @@
           <a:bodyPr/>
           <a:lstStyle/>
           <a:p>
-            <a:fld id="{E47EA695-FA38-48C5-983A-DD9802639C14}" type="datetimeFigureOut">
+            <a:fld id="{61AF2CA2-9205-40EB-8362-75621F46E6A1}" type="datetimeFigureOut">
               <a:rPr lang="zh-CN" altLang="en-US" smtClean="0"/>
               <a:t>2024/3/10</a:t>
             </a:fld>
@@ -1821,7 +1821,7 @@
           <p:cNvPr id="8" name="页脚占位符 7">
             <a:extLst>
               <a:ext uri="{FF2B5EF4-FFF2-40B4-BE49-F238E27FC236}">
-                <a16:creationId xmlns:a16="http://schemas.microsoft.com/office/drawing/2014/main" id="{062F794D-E9B6-FF08-5BD6-EE38788D44A3}"/>
+                <a16:creationId xmlns:a16="http://schemas.microsoft.com/office/drawing/2014/main" id="{992E6A7A-80E4-3D0C-E5E0-99FB76F61967}"/>
               </a:ext>
             </a:extLst>
           </p:cNvPr>
@@ -1846,7 +1846,7 @@
           <p:cNvPr id="9" name="灯片编号占位符 8">
             <a:extLst>
               <a:ext uri="{FF2B5EF4-FFF2-40B4-BE49-F238E27FC236}">
-                <a16:creationId xmlns:a16="http://schemas.microsoft.com/office/drawing/2014/main" id="{355D6893-08F4-9716-50CA-4A0CF1D88D01}"/>
+                <a16:creationId xmlns:a16="http://schemas.microsoft.com/office/drawing/2014/main" id="{BA22D2F0-7E68-EB81-2F0D-D9662A7B191D}"/>
               </a:ext>
             </a:extLst>
           </p:cNvPr>
@@ -1862,7 +1862,7 @@
           <a:bodyPr/>
           <a:lstStyle/>
           <a:p>
-            <a:fld id="{3C7C4B27-D8F9-4AE9-A7A0-3EEED10C21BA}" type="slidenum">
+            <a:fld id="{D4D82A3A-B451-42A4-899A-0DFD299D5ACD}" type="slidenum">
               <a:rPr lang="zh-CN" altLang="en-US" smtClean="0"/>
               <a:t>‹#›</a:t>
             </a:fld>
@@ -1873,7 +1873,7 @@
     </p:spTree>
     <p:extLst>
       <p:ext uri="{BB962C8B-B14F-4D97-AF65-F5344CB8AC3E}">
-        <p14:creationId xmlns:p14="http://schemas.microsoft.com/office/powerpoint/2010/main" val="2408226803"/>
+        <p14:creationId xmlns:p14="http://schemas.microsoft.com/office/powerpoint/2010/main" val="2908793792"/>
       </p:ext>
     </p:extLst>
   </p:cSld>
@@ -1905,7 +1905,7 @@
           <p:cNvPr id="2" name="标题 1">
             <a:extLst>
               <a:ext uri="{FF2B5EF4-FFF2-40B4-BE49-F238E27FC236}">
-                <a16:creationId xmlns:a16="http://schemas.microsoft.com/office/drawing/2014/main" id="{1811C4B6-E776-AE31-17A4-111A661D5785}"/>
+                <a16:creationId xmlns:a16="http://schemas.microsoft.com/office/drawing/2014/main" id="{4D580CC7-6503-F873-A8B0-1E8873FD8700}"/>
               </a:ext>
             </a:extLst>
           </p:cNvPr>
@@ -1933,7 +1933,7 @@
           <p:cNvPr id="3" name="日期占位符 2">
             <a:extLst>
               <a:ext uri="{FF2B5EF4-FFF2-40B4-BE49-F238E27FC236}">
-                <a16:creationId xmlns:a16="http://schemas.microsoft.com/office/drawing/2014/main" id="{D22E8030-A1DA-8FD9-4956-646D8632E957}"/>
+                <a16:creationId xmlns:a16="http://schemas.microsoft.com/office/drawing/2014/main" id="{E50244B7-FAB4-29B4-E21F-2CD5F0E609B8}"/>
               </a:ext>
             </a:extLst>
           </p:cNvPr>
@@ -1949,7 +1949,7 @@
           <a:bodyPr/>
           <a:lstStyle/>
           <a:p>
-            <a:fld id="{E47EA695-FA38-48C5-983A-DD9802639C14}" type="datetimeFigureOut">
+            <a:fld id="{61AF2CA2-9205-40EB-8362-75621F46E6A1}" type="datetimeFigureOut">
               <a:rPr lang="zh-CN" altLang="en-US" smtClean="0"/>
               <a:t>2024/3/10</a:t>
             </a:fld>
@@ -1962,7 +1962,7 @@
           <p:cNvPr id="4" name="页脚占位符 3">
             <a:extLst>
               <a:ext uri="{FF2B5EF4-FFF2-40B4-BE49-F238E27FC236}">
-                <a16:creationId xmlns:a16="http://schemas.microsoft.com/office/drawing/2014/main" id="{46111742-B60D-E0BA-A0E3-7C019E7115F7}"/>
+                <a16:creationId xmlns:a16="http://schemas.microsoft.com/office/drawing/2014/main" id="{A3DEA873-54A7-E8E1-CC3F-D68C4EAF3BF5}"/>
               </a:ext>
             </a:extLst>
           </p:cNvPr>
@@ -1987,7 +1987,7 @@
           <p:cNvPr id="5" name="灯片编号占位符 4">
             <a:extLst>
               <a:ext uri="{FF2B5EF4-FFF2-40B4-BE49-F238E27FC236}">
-                <a16:creationId xmlns:a16="http://schemas.microsoft.com/office/drawing/2014/main" id="{C421298D-F2E9-BC37-4769-40DF48C9A3DE}"/>
+                <a16:creationId xmlns:a16="http://schemas.microsoft.com/office/drawing/2014/main" id="{C66FCD48-FE09-66F1-AF63-B485555DEBF2}"/>
               </a:ext>
             </a:extLst>
           </p:cNvPr>
@@ -2003,7 +2003,7 @@
           <a:bodyPr/>
           <a:lstStyle/>
           <a:p>
-            <a:fld id="{3C7C4B27-D8F9-4AE9-A7A0-3EEED10C21BA}" type="slidenum">
+            <a:fld id="{D4D82A3A-B451-42A4-899A-0DFD299D5ACD}" type="slidenum">
               <a:rPr lang="zh-CN" altLang="en-US" smtClean="0"/>
               <a:t>‹#›</a:t>
             </a:fld>
@@ -2014,7 +2014,7 @@
     </p:spTree>
     <p:extLst>
       <p:ext uri="{BB962C8B-B14F-4D97-AF65-F5344CB8AC3E}">
-        <p14:creationId xmlns:p14="http://schemas.microsoft.com/office/powerpoint/2010/main" val="1490183709"/>
+        <p14:creationId xmlns:p14="http://schemas.microsoft.com/office/powerpoint/2010/main" val="1393555333"/>
       </p:ext>
     </p:extLst>
   </p:cSld>
@@ -2046,7 +2046,7 @@
           <p:cNvPr id="2" name="日期占位符 1">
             <a:extLst>
               <a:ext uri="{FF2B5EF4-FFF2-40B4-BE49-F238E27FC236}">
-                <a16:creationId xmlns:a16="http://schemas.microsoft.com/office/drawing/2014/main" id="{8D441256-079A-E1FC-F564-7DE26DCB95B0}"/>
+                <a16:creationId xmlns:a16="http://schemas.microsoft.com/office/drawing/2014/main" id="{BDF53D24-9081-5C0A-4B3B-7F1FE01A5413}"/>
               </a:ext>
             </a:extLst>
           </p:cNvPr>
@@ -2062,7 +2062,7 @@
           <a:bodyPr/>
           <a:lstStyle/>
           <a:p>
-            <a:fld id="{E47EA695-FA38-48C5-983A-DD9802639C14}" type="datetimeFigureOut">
+            <a:fld id="{61AF2CA2-9205-40EB-8362-75621F46E6A1}" type="datetimeFigureOut">
               <a:rPr lang="zh-CN" altLang="en-US" smtClean="0"/>
               <a:t>2024/3/10</a:t>
             </a:fld>
@@ -2075,7 +2075,7 @@
           <p:cNvPr id="3" name="页脚占位符 2">
             <a:extLst>
               <a:ext uri="{FF2B5EF4-FFF2-40B4-BE49-F238E27FC236}">
-                <a16:creationId xmlns:a16="http://schemas.microsoft.com/office/drawing/2014/main" id="{2E526DEF-DA89-6119-07B2-308483893809}"/>
+                <a16:creationId xmlns:a16="http://schemas.microsoft.com/office/drawing/2014/main" id="{400EA8C8-1241-B676-81C2-745A22D3FC85}"/>
               </a:ext>
             </a:extLst>
           </p:cNvPr>
@@ -2100,7 +2100,7 @@
           <p:cNvPr id="4" name="灯片编号占位符 3">
             <a:extLst>
               <a:ext uri="{FF2B5EF4-FFF2-40B4-BE49-F238E27FC236}">
-                <a16:creationId xmlns:a16="http://schemas.microsoft.com/office/drawing/2014/main" id="{0316BCFE-08B5-7B49-2D4F-DF31D70BB65C}"/>
+                <a16:creationId xmlns:a16="http://schemas.microsoft.com/office/drawing/2014/main" id="{B09F599E-63F5-4AD6-6503-F40FC1544FCC}"/>
               </a:ext>
             </a:extLst>
           </p:cNvPr>
@@ -2116,7 +2116,7 @@
           <a:bodyPr/>
           <a:lstStyle/>
           <a:p>
-            <a:fld id="{3C7C4B27-D8F9-4AE9-A7A0-3EEED10C21BA}" type="slidenum">
+            <a:fld id="{D4D82A3A-B451-42A4-899A-0DFD299D5ACD}" type="slidenum">
               <a:rPr lang="zh-CN" altLang="en-US" smtClean="0"/>
               <a:t>‹#›</a:t>
             </a:fld>
@@ -2127,7 +2127,7 @@
     </p:spTree>
     <p:extLst>
       <p:ext uri="{BB962C8B-B14F-4D97-AF65-F5344CB8AC3E}">
-        <p14:creationId xmlns:p14="http://schemas.microsoft.com/office/powerpoint/2010/main" val="51413880"/>
+        <p14:creationId xmlns:p14="http://schemas.microsoft.com/office/powerpoint/2010/main" val="525940952"/>
       </p:ext>
     </p:extLst>
   </p:cSld>
@@ -2159,7 +2159,7 @@
           <p:cNvPr id="2" name="标题 1">
             <a:extLst>
               <a:ext uri="{FF2B5EF4-FFF2-40B4-BE49-F238E27FC236}">
-                <a16:creationId xmlns:a16="http://schemas.microsoft.com/office/drawing/2014/main" id="{AFB2542D-5279-E594-7A3D-992D3D32954E}"/>
+                <a16:creationId xmlns:a16="http://schemas.microsoft.com/office/drawing/2014/main" id="{6A4AB323-6776-85A3-3EE5-0D53A6650774}"/>
               </a:ext>
             </a:extLst>
           </p:cNvPr>
@@ -2196,7 +2196,7 @@
           <p:cNvPr id="3" name="内容占位符 2">
             <a:extLst>
               <a:ext uri="{FF2B5EF4-FFF2-40B4-BE49-F238E27FC236}">
-                <a16:creationId xmlns:a16="http://schemas.microsoft.com/office/drawing/2014/main" id="{D5723BCD-4F1F-84FE-2F0E-EF8D13F3244E}"/>
+                <a16:creationId xmlns:a16="http://schemas.microsoft.com/office/drawing/2014/main" id="{94F13475-7AF6-C758-8F0E-8B3D442A31A1}"/>
               </a:ext>
             </a:extLst>
           </p:cNvPr>
@@ -2286,7 +2286,7 @@
           <p:cNvPr id="4" name="文本占位符 3">
             <a:extLst>
               <a:ext uri="{FF2B5EF4-FFF2-40B4-BE49-F238E27FC236}">
-                <a16:creationId xmlns:a16="http://schemas.microsoft.com/office/drawing/2014/main" id="{98CDDF63-9DB5-1C21-2F65-F0E49E801454}"/>
+                <a16:creationId xmlns:a16="http://schemas.microsoft.com/office/drawing/2014/main" id="{D8BBB14F-99BB-F704-518F-FC9C9C22FDE8}"/>
               </a:ext>
             </a:extLst>
           </p:cNvPr>
@@ -2357,7 +2357,7 @@
           <p:cNvPr id="5" name="日期占位符 4">
             <a:extLst>
               <a:ext uri="{FF2B5EF4-FFF2-40B4-BE49-F238E27FC236}">
-                <a16:creationId xmlns:a16="http://schemas.microsoft.com/office/drawing/2014/main" id="{ECBB4D56-D57D-22FB-60FB-70372D60C62C}"/>
+                <a16:creationId xmlns:a16="http://schemas.microsoft.com/office/drawing/2014/main" id="{7A8AD941-8C29-7D4E-AD89-EFDB44708D33}"/>
               </a:ext>
             </a:extLst>
           </p:cNvPr>
@@ -2373,7 +2373,7 @@
           <a:bodyPr/>
           <a:lstStyle/>
           <a:p>
-            <a:fld id="{E47EA695-FA38-48C5-983A-DD9802639C14}" type="datetimeFigureOut">
+            <a:fld id="{61AF2CA2-9205-40EB-8362-75621F46E6A1}" type="datetimeFigureOut">
               <a:rPr lang="zh-CN" altLang="en-US" smtClean="0"/>
               <a:t>2024/3/10</a:t>
             </a:fld>
@@ -2386,7 +2386,7 @@
           <p:cNvPr id="6" name="页脚占位符 5">
             <a:extLst>
               <a:ext uri="{FF2B5EF4-FFF2-40B4-BE49-F238E27FC236}">
-                <a16:creationId xmlns:a16="http://schemas.microsoft.com/office/drawing/2014/main" id="{FFFABFF7-4E34-40FA-12FA-81563224ED07}"/>
+                <a16:creationId xmlns:a16="http://schemas.microsoft.com/office/drawing/2014/main" id="{680DA9E6-32F2-9E31-E730-E18AC1A1BBE6}"/>
               </a:ext>
             </a:extLst>
           </p:cNvPr>
@@ -2411,7 +2411,7 @@
           <p:cNvPr id="7" name="灯片编号占位符 6">
             <a:extLst>
               <a:ext uri="{FF2B5EF4-FFF2-40B4-BE49-F238E27FC236}">
-                <a16:creationId xmlns:a16="http://schemas.microsoft.com/office/drawing/2014/main" id="{D8D0DAA8-1BCD-4359-265D-A98FFD70261B}"/>
+                <a16:creationId xmlns:a16="http://schemas.microsoft.com/office/drawing/2014/main" id="{3419028B-59BB-44D5-7D2B-6898FD28E296}"/>
               </a:ext>
             </a:extLst>
           </p:cNvPr>
@@ -2427,7 +2427,7 @@
           <a:bodyPr/>
           <a:lstStyle/>
           <a:p>
-            <a:fld id="{3C7C4B27-D8F9-4AE9-A7A0-3EEED10C21BA}" type="slidenum">
+            <a:fld id="{D4D82A3A-B451-42A4-899A-0DFD299D5ACD}" type="slidenum">
               <a:rPr lang="zh-CN" altLang="en-US" smtClean="0"/>
               <a:t>‹#›</a:t>
             </a:fld>
@@ -2438,7 +2438,7 @@
     </p:spTree>
     <p:extLst>
       <p:ext uri="{BB962C8B-B14F-4D97-AF65-F5344CB8AC3E}">
-        <p14:creationId xmlns:p14="http://schemas.microsoft.com/office/powerpoint/2010/main" val="1607918476"/>
+        <p14:creationId xmlns:p14="http://schemas.microsoft.com/office/powerpoint/2010/main" val="1088920419"/>
       </p:ext>
     </p:extLst>
   </p:cSld>
@@ -2470,7 +2470,7 @@
           <p:cNvPr id="2" name="标题 1">
             <a:extLst>
               <a:ext uri="{FF2B5EF4-FFF2-40B4-BE49-F238E27FC236}">
-                <a16:creationId xmlns:a16="http://schemas.microsoft.com/office/drawing/2014/main" id="{CB209A5E-E9B5-7CAA-8F44-334C32EEACC1}"/>
+                <a16:creationId xmlns:a16="http://schemas.microsoft.com/office/drawing/2014/main" id="{CAB30317-0689-28EA-75BF-12E1EF318B25}"/>
               </a:ext>
             </a:extLst>
           </p:cNvPr>
@@ -2507,7 +2507,7 @@
           <p:cNvPr id="3" name="图片占位符 2">
             <a:extLst>
               <a:ext uri="{FF2B5EF4-FFF2-40B4-BE49-F238E27FC236}">
-                <a16:creationId xmlns:a16="http://schemas.microsoft.com/office/drawing/2014/main" id="{779D54B9-52DB-1739-CFFF-30F02BDE86A4}"/>
+                <a16:creationId xmlns:a16="http://schemas.microsoft.com/office/drawing/2014/main" id="{38985984-CF7F-449A-4561-D03CEC9D94FA}"/>
               </a:ext>
             </a:extLst>
           </p:cNvPr>
@@ -2574,7 +2574,7 @@
           <p:cNvPr id="4" name="文本占位符 3">
             <a:extLst>
               <a:ext uri="{FF2B5EF4-FFF2-40B4-BE49-F238E27FC236}">
-                <a16:creationId xmlns:a16="http://schemas.microsoft.com/office/drawing/2014/main" id="{E39D63D5-5F48-EFC5-0953-3E7900B8BC6D}"/>
+                <a16:creationId xmlns:a16="http://schemas.microsoft.com/office/drawing/2014/main" id="{07CE473B-9BF9-BC7B-D86F-DC070FA05AE4}"/>
               </a:ext>
             </a:extLst>
           </p:cNvPr>
@@ -2645,7 +2645,7 @@
           <p:cNvPr id="5" name="日期占位符 4">
             <a:extLst>
               <a:ext uri="{FF2B5EF4-FFF2-40B4-BE49-F238E27FC236}">
-                <a16:creationId xmlns:a16="http://schemas.microsoft.com/office/drawing/2014/main" id="{D62C3F29-AA87-897A-EA57-FCABE4873F18}"/>
+                <a16:creationId xmlns:a16="http://schemas.microsoft.com/office/drawing/2014/main" id="{2C37CB99-1366-9928-87AF-7E64809603EA}"/>
               </a:ext>
             </a:extLst>
           </p:cNvPr>
@@ -2661,7 +2661,7 @@
           <a:bodyPr/>
           <a:lstStyle/>
           <a:p>
-            <a:fld id="{E47EA695-FA38-48C5-983A-DD9802639C14}" type="datetimeFigureOut">
+            <a:fld id="{61AF2CA2-9205-40EB-8362-75621F46E6A1}" type="datetimeFigureOut">
               <a:rPr lang="zh-CN" altLang="en-US" smtClean="0"/>
               <a:t>2024/3/10</a:t>
             </a:fld>
@@ -2674,7 +2674,7 @@
           <p:cNvPr id="6" name="页脚占位符 5">
             <a:extLst>
               <a:ext uri="{FF2B5EF4-FFF2-40B4-BE49-F238E27FC236}">
-                <a16:creationId xmlns:a16="http://schemas.microsoft.com/office/drawing/2014/main" id="{387CEB80-691E-A1DB-8F08-E58D26188086}"/>
+                <a16:creationId xmlns:a16="http://schemas.microsoft.com/office/drawing/2014/main" id="{40A81B4D-133E-8C86-72F3-3440A4ABAAB7}"/>
               </a:ext>
             </a:extLst>
           </p:cNvPr>
@@ -2699,7 +2699,7 @@
           <p:cNvPr id="7" name="灯片编号占位符 6">
             <a:extLst>
               <a:ext uri="{FF2B5EF4-FFF2-40B4-BE49-F238E27FC236}">
-                <a16:creationId xmlns:a16="http://schemas.microsoft.com/office/drawing/2014/main" id="{42832120-4914-10E2-787F-ABCA7DDEF50C}"/>
+                <a16:creationId xmlns:a16="http://schemas.microsoft.com/office/drawing/2014/main" id="{823654D7-43B0-CC7C-F619-E591F382C699}"/>
               </a:ext>
             </a:extLst>
           </p:cNvPr>
@@ -2715,7 +2715,7 @@
           <a:bodyPr/>
           <a:lstStyle/>
           <a:p>
-            <a:fld id="{3C7C4B27-D8F9-4AE9-A7A0-3EEED10C21BA}" type="slidenum">
+            <a:fld id="{D4D82A3A-B451-42A4-899A-0DFD299D5ACD}" type="slidenum">
               <a:rPr lang="zh-CN" altLang="en-US" smtClean="0"/>
               <a:t>‹#›</a:t>
             </a:fld>
@@ -2726,7 +2726,7 @@
     </p:spTree>
     <p:extLst>
       <p:ext uri="{BB962C8B-B14F-4D97-AF65-F5344CB8AC3E}">
-        <p14:creationId xmlns:p14="http://schemas.microsoft.com/office/powerpoint/2010/main" val="888340092"/>
+        <p14:creationId xmlns:p14="http://schemas.microsoft.com/office/powerpoint/2010/main" val="1151859561"/>
       </p:ext>
     </p:extLst>
   </p:cSld>
@@ -2763,7 +2763,7 @@
           <p:cNvPr id="2" name="标题占位符 1">
             <a:extLst>
               <a:ext uri="{FF2B5EF4-FFF2-40B4-BE49-F238E27FC236}">
-                <a16:creationId xmlns:a16="http://schemas.microsoft.com/office/drawing/2014/main" id="{F602575E-75D2-68D7-6662-8E459447B0E8}"/>
+                <a16:creationId xmlns:a16="http://schemas.microsoft.com/office/drawing/2014/main" id="{963BD7E3-6C2F-1FBC-A2C6-4908F299DA00}"/>
               </a:ext>
             </a:extLst>
           </p:cNvPr>
@@ -2801,7 +2801,7 @@
           <p:cNvPr id="3" name="文本占位符 2">
             <a:extLst>
               <a:ext uri="{FF2B5EF4-FFF2-40B4-BE49-F238E27FC236}">
-                <a16:creationId xmlns:a16="http://schemas.microsoft.com/office/drawing/2014/main" id="{B186E4D7-AB21-0CD6-0CB8-AAA6CC475B2C}"/>
+                <a16:creationId xmlns:a16="http://schemas.microsoft.com/office/drawing/2014/main" id="{56EA3DC2-F497-B54B-42C2-2160D3C173D3}"/>
               </a:ext>
             </a:extLst>
           </p:cNvPr>
@@ -2868,7 +2868,7 @@
           <p:cNvPr id="4" name="日期占位符 3">
             <a:extLst>
               <a:ext uri="{FF2B5EF4-FFF2-40B4-BE49-F238E27FC236}">
-                <a16:creationId xmlns:a16="http://schemas.microsoft.com/office/drawing/2014/main" id="{210B26B3-D0A2-8441-FFA0-812D431EBBFE}"/>
+                <a16:creationId xmlns:a16="http://schemas.microsoft.com/office/drawing/2014/main" id="{697D656A-F08F-DF37-1442-7FE267C51617}"/>
               </a:ext>
             </a:extLst>
           </p:cNvPr>
@@ -2902,7 +2902,7 @@
             </a:lvl1pPr>
           </a:lstStyle>
           <a:p>
-            <a:fld id="{E47EA695-FA38-48C5-983A-DD9802639C14}" type="datetimeFigureOut">
+            <a:fld id="{61AF2CA2-9205-40EB-8362-75621F46E6A1}" type="datetimeFigureOut">
               <a:rPr lang="zh-CN" altLang="en-US" smtClean="0"/>
               <a:t>2024/3/10</a:t>
             </a:fld>
@@ -2915,7 +2915,7 @@
           <p:cNvPr id="5" name="页脚占位符 4">
             <a:extLst>
               <a:ext uri="{FF2B5EF4-FFF2-40B4-BE49-F238E27FC236}">
-                <a16:creationId xmlns:a16="http://schemas.microsoft.com/office/drawing/2014/main" id="{89247501-6200-9A79-B302-899FC6552226}"/>
+                <a16:creationId xmlns:a16="http://schemas.microsoft.com/office/drawing/2014/main" id="{DF3BD13C-B798-CB82-8E85-26F47B3ABBEF}"/>
               </a:ext>
             </a:extLst>
           </p:cNvPr>
@@ -2958,7 +2958,7 @@
           <p:cNvPr id="6" name="灯片编号占位符 5">
             <a:extLst>
               <a:ext uri="{FF2B5EF4-FFF2-40B4-BE49-F238E27FC236}">
-                <a16:creationId xmlns:a16="http://schemas.microsoft.com/office/drawing/2014/main" id="{5D6497C1-536A-71C0-2567-F6A45CC6C93B}"/>
+                <a16:creationId xmlns:a16="http://schemas.microsoft.com/office/drawing/2014/main" id="{640B7020-D980-6865-CD40-16B3B71FF032}"/>
               </a:ext>
             </a:extLst>
           </p:cNvPr>
@@ -2992,7 +2992,7 @@
             </a:lvl1pPr>
           </a:lstStyle>
           <a:p>
-            <a:fld id="{3C7C4B27-D8F9-4AE9-A7A0-3EEED10C21BA}" type="slidenum">
+            <a:fld id="{D4D82A3A-B451-42A4-899A-0DFD299D5ACD}" type="slidenum">
               <a:rPr lang="zh-CN" altLang="en-US" smtClean="0"/>
               <a:t>‹#›</a:t>
             </a:fld>
@@ -3003,7 +3003,7 @@
     </p:spTree>
     <p:extLst>
       <p:ext uri="{BB962C8B-B14F-4D97-AF65-F5344CB8AC3E}">
-        <p14:creationId xmlns:p14="http://schemas.microsoft.com/office/powerpoint/2010/main" val="103332661"/>
+        <p14:creationId xmlns:p14="http://schemas.microsoft.com/office/powerpoint/2010/main" val="2471975572"/>
       </p:ext>
     </p:extLst>
   </p:cSld>
